--- a/src/assets/logo.pptx
+++ b/src/assets/logo.pptx
@@ -201,7 +201,7 @@
           <a:p>
             <a:fld id="{ABC53EE8-A96A-459A-B528-625F8BDE835C}" type="datetimeFigureOut">
               <a:rPr lang="en-IL" smtClean="0"/>
-              <a:t>18/06/2024</a:t>
+              <a:t>25/06/2024</a:t>
             </a:fld>
             <a:endParaRPr lang="en-IL"/>
           </a:p>
@@ -618,7 +618,7 @@
           <a:p>
             <a:fld id="{71E69ED4-0CA5-473C-89A7-B040F2592B20}" type="datetimeFigureOut">
               <a:rPr lang="en-IL" smtClean="0"/>
-              <a:t>18/06/2024</a:t>
+              <a:t>25/06/2024</a:t>
             </a:fld>
             <a:endParaRPr lang="en-IL"/>
           </a:p>
@@ -818,7 +818,7 @@
           <a:p>
             <a:fld id="{71E69ED4-0CA5-473C-89A7-B040F2592B20}" type="datetimeFigureOut">
               <a:rPr lang="en-IL" smtClean="0"/>
-              <a:t>18/06/2024</a:t>
+              <a:t>25/06/2024</a:t>
             </a:fld>
             <a:endParaRPr lang="en-IL"/>
           </a:p>
@@ -1028,7 +1028,7 @@
           <a:p>
             <a:fld id="{71E69ED4-0CA5-473C-89A7-B040F2592B20}" type="datetimeFigureOut">
               <a:rPr lang="en-IL" smtClean="0"/>
-              <a:t>18/06/2024</a:t>
+              <a:t>25/06/2024</a:t>
             </a:fld>
             <a:endParaRPr lang="en-IL"/>
           </a:p>
@@ -1228,7 +1228,7 @@
           <a:p>
             <a:fld id="{71E69ED4-0CA5-473C-89A7-B040F2592B20}" type="datetimeFigureOut">
               <a:rPr lang="en-IL" smtClean="0"/>
-              <a:t>18/06/2024</a:t>
+              <a:t>25/06/2024</a:t>
             </a:fld>
             <a:endParaRPr lang="en-IL"/>
           </a:p>
@@ -1504,7 +1504,7 @@
           <a:p>
             <a:fld id="{71E69ED4-0CA5-473C-89A7-B040F2592B20}" type="datetimeFigureOut">
               <a:rPr lang="en-IL" smtClean="0"/>
-              <a:t>18/06/2024</a:t>
+              <a:t>25/06/2024</a:t>
             </a:fld>
             <a:endParaRPr lang="en-IL"/>
           </a:p>
@@ -1772,7 +1772,7 @@
           <a:p>
             <a:fld id="{71E69ED4-0CA5-473C-89A7-B040F2592B20}" type="datetimeFigureOut">
               <a:rPr lang="en-IL" smtClean="0"/>
-              <a:t>18/06/2024</a:t>
+              <a:t>25/06/2024</a:t>
             </a:fld>
             <a:endParaRPr lang="en-IL"/>
           </a:p>
@@ -2187,7 +2187,7 @@
           <a:p>
             <a:fld id="{71E69ED4-0CA5-473C-89A7-B040F2592B20}" type="datetimeFigureOut">
               <a:rPr lang="en-IL" smtClean="0"/>
-              <a:t>18/06/2024</a:t>
+              <a:t>25/06/2024</a:t>
             </a:fld>
             <a:endParaRPr lang="en-IL"/>
           </a:p>
@@ -2329,7 +2329,7 @@
           <a:p>
             <a:fld id="{71E69ED4-0CA5-473C-89A7-B040F2592B20}" type="datetimeFigureOut">
               <a:rPr lang="en-IL" smtClean="0"/>
-              <a:t>18/06/2024</a:t>
+              <a:t>25/06/2024</a:t>
             </a:fld>
             <a:endParaRPr lang="en-IL"/>
           </a:p>
@@ -2442,7 +2442,7 @@
           <a:p>
             <a:fld id="{71E69ED4-0CA5-473C-89A7-B040F2592B20}" type="datetimeFigureOut">
               <a:rPr lang="en-IL" smtClean="0"/>
-              <a:t>18/06/2024</a:t>
+              <a:t>25/06/2024</a:t>
             </a:fld>
             <a:endParaRPr lang="en-IL"/>
           </a:p>
@@ -2755,7 +2755,7 @@
           <a:p>
             <a:fld id="{71E69ED4-0CA5-473C-89A7-B040F2592B20}" type="datetimeFigureOut">
               <a:rPr lang="en-IL" smtClean="0"/>
-              <a:t>18/06/2024</a:t>
+              <a:t>25/06/2024</a:t>
             </a:fld>
             <a:endParaRPr lang="en-IL"/>
           </a:p>
@@ -3044,7 +3044,7 @@
           <a:p>
             <a:fld id="{71E69ED4-0CA5-473C-89A7-B040F2592B20}" type="datetimeFigureOut">
               <a:rPr lang="en-IL" smtClean="0"/>
-              <a:t>18/06/2024</a:t>
+              <a:t>25/06/2024</a:t>
             </a:fld>
             <a:endParaRPr lang="en-IL"/>
           </a:p>
@@ -3121,9 +3121,14 @@
 <p:sldMaster xmlns:a="http://schemas.openxmlformats.org/drawingml/2006/main" xmlns:r="http://schemas.openxmlformats.org/officeDocument/2006/relationships" xmlns:p="http://schemas.openxmlformats.org/presentationml/2006/main">
   <p:cSld>
     <p:bg>
-      <p:bgRef idx="1001">
-        <a:schemeClr val="bg1"/>
-      </p:bgRef>
+      <p:bgPr>
+        <a:solidFill>
+          <a:schemeClr val="bg1">
+            <a:alpha val="0"/>
+          </a:schemeClr>
+        </a:solidFill>
+        <a:effectLst/>
+      </p:bgPr>
     </p:bg>
     <p:spTree>
       <p:nvGrpSpPr>
@@ -3287,7 +3292,7 @@
           <a:p>
             <a:fld id="{71E69ED4-0CA5-473C-89A7-B040F2592B20}" type="datetimeFigureOut">
               <a:rPr lang="en-IL" smtClean="0"/>
-              <a:t>18/06/2024</a:t>
+              <a:t>25/06/2024</a:t>
             </a:fld>
             <a:endParaRPr lang="en-IL"/>
           </a:p>
@@ -3690,14 +3695,6 @@
 <file path=ppt/slides/slide1.xml><?xml version="1.0" encoding="utf-8"?>
 <p:sld xmlns:a="http://schemas.openxmlformats.org/drawingml/2006/main" xmlns:r="http://schemas.openxmlformats.org/officeDocument/2006/relationships" xmlns:p="http://schemas.openxmlformats.org/presentationml/2006/main">
   <p:cSld>
-    <p:bg>
-      <p:bgPr>
-        <a:solidFill>
-          <a:schemeClr val="bg1"/>
-        </a:solidFill>
-        <a:effectLst/>
-      </p:bgPr>
-    </p:bg>
     <p:spTree>
       <p:nvGrpSpPr>
         <p:cNvPr id="1" name=""/>
@@ -4016,7 +4013,7 @@
         </p:nvGrpSpPr>
         <p:grpSpPr>
           <a:xfrm>
-            <a:off x="7944808" y="671804"/>
+            <a:off x="8709918" y="1054359"/>
             <a:ext cx="3239620" cy="3206816"/>
             <a:chOff x="9452880" y="93276"/>
             <a:chExt cx="3239620" cy="3217374"/>
@@ -4217,7 +4214,7 @@
         </p:nvSpPr>
         <p:spPr>
           <a:xfrm>
-            <a:off x="1700882" y="118679"/>
+            <a:off x="2363355" y="459301"/>
             <a:ext cx="9347680" cy="1862048"/>
           </a:xfrm>
           <a:prstGeom prst="rect">
@@ -5017,8 +5014,18 @@
 </file>
 
 <file path=ppt/slides/slide5.xml><?xml version="1.0" encoding="utf-8"?>
-<p:sld xmlns:a="http://schemas.openxmlformats.org/drawingml/2006/main" xmlns:r="http://schemas.openxmlformats.org/officeDocument/2006/relationships" xmlns:p="http://schemas.openxmlformats.org/presentationml/2006/main">
+<p:sld xmlns:a="http://schemas.openxmlformats.org/drawingml/2006/main" xmlns:r="http://schemas.openxmlformats.org/officeDocument/2006/relationships" xmlns:p="http://schemas.openxmlformats.org/presentationml/2006/main" showMasterSp="0">
   <p:cSld>
+    <p:bg>
+      <p:bgPr>
+        <a:solidFill>
+          <a:schemeClr val="bg2">
+            <a:alpha val="0"/>
+          </a:schemeClr>
+        </a:solidFill>
+        <a:effectLst/>
+      </p:bgPr>
+    </p:bg>
     <p:spTree>
       <p:nvGrpSpPr>
         <p:cNvPr id="1" name=""/>
@@ -5033,88 +5040,12 @@
           <a:chExt cx="0" cy="0"/>
         </a:xfrm>
       </p:grpSpPr>
-      <p:sp>
-        <p:nvSpPr>
-          <p:cNvPr id="6" name="אליפסה 5">
-            <a:extLst>
-              <a:ext uri="{FF2B5EF4-FFF2-40B4-BE49-F238E27FC236}">
-                <a16:creationId xmlns:a16="http://schemas.microsoft.com/office/drawing/2014/main" id="{579141C2-6B5D-5D57-12DF-77EA5E4A4216}"/>
-              </a:ext>
-            </a:extLst>
-          </p:cNvPr>
-          <p:cNvSpPr/>
-          <p:nvPr/>
-        </p:nvSpPr>
-        <p:spPr>
-          <a:xfrm>
-            <a:off x="1173018" y="451427"/>
-            <a:ext cx="9993745" cy="5955145"/>
-          </a:xfrm>
-          <a:prstGeom prst="ellipse">
-            <a:avLst/>
-          </a:prstGeom>
-          <a:gradFill flip="none" rotWithShape="1">
-            <a:gsLst>
-              <a:gs pos="78752">
-                <a:srgbClr val="CCFF66"/>
-              </a:gs>
-              <a:gs pos="85850">
-                <a:srgbClr val="00FF00"/>
-              </a:gs>
-              <a:gs pos="23000">
-                <a:srgbClr val="92D050"/>
-              </a:gs>
-              <a:gs pos="0">
-                <a:schemeClr val="accent3">
-                  <a:lumMod val="60000"/>
-                  <a:lumOff val="40000"/>
-                </a:schemeClr>
-              </a:gs>
-              <a:gs pos="50000">
-                <a:schemeClr val="accent5">
-                  <a:lumMod val="60000"/>
-                  <a:lumOff val="40000"/>
-                </a:schemeClr>
-              </a:gs>
-              <a:gs pos="100000">
-                <a:srgbClr val="66FF99"/>
-              </a:gs>
-            </a:gsLst>
-            <a:lin ang="13500000" scaled="1"/>
-            <a:tileRect/>
-          </a:gradFill>
-        </p:spPr>
-        <p:style>
-          <a:lnRef idx="2">
-            <a:schemeClr val="accent1">
-              <a:shade val="15000"/>
-            </a:schemeClr>
-          </a:lnRef>
-          <a:fillRef idx="1">
-            <a:schemeClr val="accent1"/>
-          </a:fillRef>
-          <a:effectRef idx="0">
-            <a:schemeClr val="accent1"/>
-          </a:effectRef>
-          <a:fontRef idx="minor">
-            <a:schemeClr val="lt1"/>
-          </a:fontRef>
-        </p:style>
-        <p:txBody>
-          <a:bodyPr rtlCol="0" anchor="ctr"/>
-          <a:lstStyle/>
-          <a:p>
-            <a:pPr algn="ctr"/>
-            <a:endParaRPr lang="en-IL"/>
-          </a:p>
-        </p:txBody>
-      </p:sp>
       <p:grpSp>
         <p:nvGrpSpPr>
-          <p:cNvPr id="2" name="קבוצה 1">
-            <a:extLst>
-              <a:ext uri="{FF2B5EF4-FFF2-40B4-BE49-F238E27FC236}">
-                <a16:creationId xmlns:a16="http://schemas.microsoft.com/office/drawing/2014/main" id="{8204DF60-3F51-CF41-1C8E-A344B067A5F6}"/>
+          <p:cNvPr id="9" name="קבוצה 8">
+            <a:extLst>
+              <a:ext uri="{FF2B5EF4-FFF2-40B4-BE49-F238E27FC236}">
+                <a16:creationId xmlns:a16="http://schemas.microsoft.com/office/drawing/2014/main" id="{BC0F9008-52C2-8C9E-0180-860B08B320C4}"/>
               </a:ext>
             </a:extLst>
           </p:cNvPr>
@@ -5123,77 +5054,612 @@
         </p:nvGrpSpPr>
         <p:grpSpPr>
           <a:xfrm>
-            <a:off x="1569848" y="782780"/>
-            <a:ext cx="9052303" cy="5292437"/>
-            <a:chOff x="1338606" y="360218"/>
-            <a:chExt cx="10039547" cy="6229118"/>
+            <a:off x="1658636" y="304800"/>
+            <a:ext cx="8874728" cy="5730223"/>
+            <a:chOff x="2016956" y="325925"/>
+            <a:chExt cx="9582499" cy="6205769"/>
           </a:xfrm>
         </p:grpSpPr>
-        <p:sp>
-          <p:nvSpPr>
-            <p:cNvPr id="3" name="אליפסה 2">
+        <p:grpSp>
+          <p:nvGrpSpPr>
+            <p:cNvPr id="7" name="קבוצה 6">
               <a:extLst>
                 <a:ext uri="{FF2B5EF4-FFF2-40B4-BE49-F238E27FC236}">
-                  <a16:creationId xmlns:a16="http://schemas.microsoft.com/office/drawing/2014/main" id="{CA222B7C-09F5-FBD0-46F8-478E6AA4A7DB}"/>
+                  <a16:creationId xmlns:a16="http://schemas.microsoft.com/office/drawing/2014/main" id="{54997D20-3A4F-2741-573B-F8F946E939D4}"/>
                 </a:ext>
               </a:extLst>
             </p:cNvPr>
-            <p:cNvSpPr/>
+            <p:cNvGrpSpPr/>
             <p:nvPr/>
-          </p:nvSpPr>
-          <p:spPr>
+          </p:nvGrpSpPr>
+          <p:grpSpPr>
             <a:xfrm>
-              <a:off x="1338606" y="360218"/>
-              <a:ext cx="10039547" cy="6229118"/>
+              <a:off x="2016956" y="325925"/>
+              <a:ext cx="9582499" cy="5691348"/>
+              <a:chOff x="1173018" y="451427"/>
+              <a:chExt cx="9993745" cy="5955145"/>
             </a:xfrm>
-            <a:prstGeom prst="ellipse">
-              <a:avLst/>
-            </a:prstGeom>
-            <a:blipFill dpi="0" rotWithShape="1">
-              <a:blip r:embed="rId2"/>
-              <a:srcRect/>
-              <a:stretch>
-                <a:fillRect/>
-              </a:stretch>
-            </a:blipFill>
-          </p:spPr>
-          <p:style>
-            <a:lnRef idx="2">
-              <a:schemeClr val="accent1">
-                <a:shade val="15000"/>
-              </a:schemeClr>
-            </a:lnRef>
-            <a:fillRef idx="1">
-              <a:schemeClr val="accent1"/>
-            </a:fillRef>
-            <a:effectRef idx="0">
-              <a:schemeClr val="accent1"/>
-            </a:effectRef>
-            <a:fontRef idx="minor">
-              <a:schemeClr val="lt1"/>
-            </a:fontRef>
-          </p:style>
-          <p:txBody>
-            <a:bodyPr rtlCol="0" anchor="ctr"/>
-            <a:lstStyle/>
-            <a:p>
-              <a:pPr algn="ctr"/>
-              <a:endParaRPr lang="en-IL">
-                <a:ln>
-                  <a:solidFill>
-                    <a:srgbClr val="EBEBE9"/>
-                  </a:solidFill>
-                </a:ln>
-              </a:endParaRPr>
-            </a:p>
-          </p:txBody>
-        </p:sp>
+          </p:grpSpPr>
+          <p:sp>
+            <p:nvSpPr>
+              <p:cNvPr id="6" name="אליפסה 5">
+                <a:extLst>
+                  <a:ext uri="{FF2B5EF4-FFF2-40B4-BE49-F238E27FC236}">
+                    <a16:creationId xmlns:a16="http://schemas.microsoft.com/office/drawing/2014/main" id="{579141C2-6B5D-5D57-12DF-77EA5E4A4216}"/>
+                  </a:ext>
+                </a:extLst>
+              </p:cNvPr>
+              <p:cNvSpPr/>
+              <p:nvPr/>
+            </p:nvSpPr>
+            <p:spPr>
+              <a:xfrm>
+                <a:off x="1173018" y="451427"/>
+                <a:ext cx="9993745" cy="5955145"/>
+              </a:xfrm>
+              <a:prstGeom prst="ellipse">
+                <a:avLst/>
+              </a:prstGeom>
+              <a:gradFill flip="none" rotWithShape="1">
+                <a:gsLst>
+                  <a:gs pos="78752">
+                    <a:srgbClr val="CCFF66"/>
+                  </a:gs>
+                  <a:gs pos="85850">
+                    <a:srgbClr val="00FF00"/>
+                  </a:gs>
+                  <a:gs pos="23000">
+                    <a:srgbClr val="92D050"/>
+                  </a:gs>
+                  <a:gs pos="0">
+                    <a:schemeClr val="accent3">
+                      <a:lumMod val="60000"/>
+                      <a:lumOff val="40000"/>
+                    </a:schemeClr>
+                  </a:gs>
+                  <a:gs pos="50000">
+                    <a:schemeClr val="accent5">
+                      <a:lumMod val="60000"/>
+                      <a:lumOff val="40000"/>
+                    </a:schemeClr>
+                  </a:gs>
+                  <a:gs pos="100000">
+                    <a:srgbClr val="66FF99"/>
+                  </a:gs>
+                </a:gsLst>
+                <a:lin ang="13500000" scaled="1"/>
+                <a:tileRect/>
+              </a:gradFill>
+            </p:spPr>
+            <p:style>
+              <a:lnRef idx="2">
+                <a:schemeClr val="accent1">
+                  <a:shade val="15000"/>
+                </a:schemeClr>
+              </a:lnRef>
+              <a:fillRef idx="1">
+                <a:schemeClr val="accent1"/>
+              </a:fillRef>
+              <a:effectRef idx="0">
+                <a:schemeClr val="accent1"/>
+              </a:effectRef>
+              <a:fontRef idx="minor">
+                <a:schemeClr val="lt1"/>
+              </a:fontRef>
+            </p:style>
+            <p:txBody>
+              <a:bodyPr rtlCol="0" anchor="ctr"/>
+              <a:lstStyle/>
+              <a:p>
+                <a:pPr algn="ctr"/>
+                <a:endParaRPr lang="en-IL"/>
+              </a:p>
+            </p:txBody>
+          </p:sp>
+          <p:grpSp>
+            <p:nvGrpSpPr>
+              <p:cNvPr id="2" name="קבוצה 1">
+                <a:extLst>
+                  <a:ext uri="{FF2B5EF4-FFF2-40B4-BE49-F238E27FC236}">
+                    <a16:creationId xmlns:a16="http://schemas.microsoft.com/office/drawing/2014/main" id="{8204DF60-3F51-CF41-1C8E-A344B067A5F6}"/>
+                  </a:ext>
+                </a:extLst>
+              </p:cNvPr>
+              <p:cNvGrpSpPr/>
+              <p:nvPr/>
+            </p:nvGrpSpPr>
+            <p:grpSpPr>
+              <a:xfrm>
+                <a:off x="1294646" y="782780"/>
+                <a:ext cx="9327505" cy="5337363"/>
+                <a:chOff x="1224165" y="360218"/>
+                <a:chExt cx="10153988" cy="6229118"/>
+              </a:xfrm>
+            </p:grpSpPr>
+            <p:sp>
+              <p:nvSpPr>
+                <p:cNvPr id="3" name="אליפסה 2">
+                  <a:extLst>
+                    <a:ext uri="{FF2B5EF4-FFF2-40B4-BE49-F238E27FC236}">
+                      <a16:creationId xmlns:a16="http://schemas.microsoft.com/office/drawing/2014/main" id="{CA222B7C-09F5-FBD0-46F8-478E6AA4A7DB}"/>
+                    </a:ext>
+                  </a:extLst>
+                </p:cNvPr>
+                <p:cNvSpPr/>
+                <p:nvPr/>
+              </p:nvSpPr>
+              <p:spPr>
+                <a:xfrm>
+                  <a:off x="1338606" y="360218"/>
+                  <a:ext cx="10039547" cy="6229118"/>
+                </a:xfrm>
+                <a:prstGeom prst="ellipse">
+                  <a:avLst/>
+                </a:prstGeom>
+                <a:blipFill dpi="0" rotWithShape="1">
+                  <a:blip r:embed="rId2"/>
+                  <a:srcRect/>
+                  <a:stretch>
+                    <a:fillRect/>
+                  </a:stretch>
+                </a:blipFill>
+              </p:spPr>
+              <p:style>
+                <a:lnRef idx="2">
+                  <a:schemeClr val="accent1">
+                    <a:shade val="15000"/>
+                  </a:schemeClr>
+                </a:lnRef>
+                <a:fillRef idx="1">
+                  <a:schemeClr val="accent1"/>
+                </a:fillRef>
+                <a:effectRef idx="0">
+                  <a:schemeClr val="accent1"/>
+                </a:effectRef>
+                <a:fontRef idx="minor">
+                  <a:schemeClr val="lt1"/>
+                </a:fontRef>
+              </p:style>
+              <p:txBody>
+                <a:bodyPr rtlCol="0" anchor="ctr"/>
+                <a:lstStyle/>
+                <a:p>
+                  <a:pPr algn="ctr"/>
+                  <a:endParaRPr lang="en-IL">
+                    <a:ln>
+                      <a:solidFill>
+                        <a:srgbClr val="EBEBE9"/>
+                      </a:solidFill>
+                    </a:ln>
+                    <a:noFill/>
+                  </a:endParaRPr>
+                </a:p>
+              </p:txBody>
+            </p:sp>
+            <p:sp>
+              <p:nvSpPr>
+                <p:cNvPr id="4" name="תיבת טקסט 3">
+                  <a:extLst>
+                    <a:ext uri="{FF2B5EF4-FFF2-40B4-BE49-F238E27FC236}">
+                      <a16:creationId xmlns:a16="http://schemas.microsoft.com/office/drawing/2014/main" id="{46193A0A-D548-377F-076C-9013ED736828}"/>
+                    </a:ext>
+                  </a:extLst>
+                </p:cNvPr>
+                <p:cNvSpPr txBox="1"/>
+                <p:nvPr/>
+              </p:nvSpPr>
+              <p:spPr>
+                <a:xfrm>
+                  <a:off x="1224165" y="647861"/>
+                  <a:ext cx="10153988" cy="2399524"/>
+                </a:xfrm>
+                <a:prstGeom prst="ellipse">
+                  <a:avLst/>
+                </a:prstGeom>
+                <a:noFill/>
+              </p:spPr>
+              <p:txBody>
+                <a:bodyPr wrap="square" rtlCol="0">
+                  <a:spAutoFit/>
+                  <a:scene3d>
+                    <a:camera prst="perspectiveHeroicExtremeRightFacing"/>
+                    <a:lightRig rig="threePt" dir="t"/>
+                  </a:scene3d>
+                </a:bodyPr>
+                <a:lstStyle/>
+                <a:p>
+                  <a:pPr algn="ctr"/>
+                  <a:r>
+                    <a:rPr lang="en-US" sz="7200" dirty="0">
+                      <a:ln w="12700">
+                        <a:solidFill>
+                          <a:srgbClr val="9AFF67"/>
+                        </a:solidFill>
+                      </a:ln>
+                      <a:gradFill>
+                        <a:gsLst>
+                          <a:gs pos="17683">
+                            <a:srgbClr val="9F6CFA"/>
+                          </a:gs>
+                          <a:gs pos="0">
+                            <a:schemeClr val="accent5">
+                              <a:lumMod val="40000"/>
+                              <a:lumOff val="60000"/>
+                            </a:schemeClr>
+                          </a:gs>
+                          <a:gs pos="50000">
+                            <a:srgbClr val="CCFF66"/>
+                          </a:gs>
+                          <a:gs pos="37150">
+                            <a:schemeClr val="accent3">
+                              <a:lumMod val="60000"/>
+                              <a:lumOff val="40000"/>
+                            </a:schemeClr>
+                          </a:gs>
+                          <a:gs pos="66350">
+                            <a:schemeClr val="accent5">
+                              <a:lumMod val="60000"/>
+                              <a:lumOff val="40000"/>
+                            </a:schemeClr>
+                          </a:gs>
+                          <a:gs pos="100000">
+                            <a:srgbClr val="9900FF"/>
+                          </a:gs>
+                        </a:gsLst>
+                        <a:path path="circle">
+                          <a:fillToRect l="50000" t="50000" r="50000" b="50000"/>
+                        </a:path>
+                      </a:gradFill>
+                    </a:rPr>
+                    <a:t>Play</a:t>
+                  </a:r>
+                  <a:r>
+                    <a:rPr lang="en-US" sz="7200" dirty="0">
+                      <a:ln w="12700">
+                        <a:solidFill>
+                          <a:srgbClr val="B1FC7D"/>
+                        </a:solidFill>
+                      </a:ln>
+                      <a:gradFill flip="none" rotWithShape="1">
+                        <a:gsLst>
+                          <a:gs pos="17683">
+                            <a:srgbClr val="9933FF"/>
+                          </a:gs>
+                          <a:gs pos="0">
+                            <a:schemeClr val="accent5">
+                              <a:lumMod val="40000"/>
+                              <a:lumOff val="60000"/>
+                            </a:schemeClr>
+                          </a:gs>
+                          <a:gs pos="50000">
+                            <a:schemeClr val="accent6">
+                              <a:lumMod val="60000"/>
+                              <a:lumOff val="40000"/>
+                              <a:shade val="67500"/>
+                              <a:satMod val="115000"/>
+                            </a:schemeClr>
+                          </a:gs>
+                          <a:gs pos="37150">
+                            <a:srgbClr val="B1FC7D"/>
+                          </a:gs>
+                          <a:gs pos="66350">
+                            <a:schemeClr val="accent6">
+                              <a:lumMod val="75000"/>
+                            </a:schemeClr>
+                          </a:gs>
+                          <a:gs pos="100000">
+                            <a:schemeClr val="accent5">
+                              <a:lumMod val="75000"/>
+                            </a:schemeClr>
+                          </a:gs>
+                        </a:gsLst>
+                        <a:path path="circle">
+                          <a:fillToRect l="50000" t="50000" r="50000" b="50000"/>
+                        </a:path>
+                        <a:tileRect/>
+                      </a:gradFill>
+                    </a:rPr>
+                    <a:t> Your </a:t>
+                  </a:r>
+                  <a:r>
+                    <a:rPr lang="en-US" sz="7200" dirty="0">
+                      <a:ln w="12700">
+                        <a:solidFill>
+                          <a:srgbClr val="B1FC7D"/>
+                        </a:solidFill>
+                      </a:ln>
+                      <a:gradFill flip="none" rotWithShape="1">
+                        <a:gsLst>
+                          <a:gs pos="17683">
+                            <a:srgbClr val="CCFF66"/>
+                          </a:gs>
+                          <a:gs pos="0">
+                            <a:srgbClr val="CAFA8A"/>
+                          </a:gs>
+                          <a:gs pos="50000">
+                            <a:schemeClr val="accent6">
+                              <a:lumMod val="60000"/>
+                              <a:lumOff val="40000"/>
+                              <a:shade val="67500"/>
+                              <a:satMod val="115000"/>
+                            </a:schemeClr>
+                          </a:gs>
+                          <a:gs pos="37150">
+                            <a:srgbClr val="B1FC7D"/>
+                          </a:gs>
+                          <a:gs pos="66350">
+                            <a:schemeClr val="accent6">
+                              <a:lumMod val="75000"/>
+                            </a:schemeClr>
+                          </a:gs>
+                          <a:gs pos="100000">
+                            <a:schemeClr val="accent6">
+                              <a:lumMod val="50000"/>
+                            </a:schemeClr>
+                          </a:gs>
+                        </a:gsLst>
+                        <a:path path="circle">
+                          <a:fillToRect l="50000" t="50000" r="50000" b="50000"/>
+                        </a:path>
+                        <a:tileRect/>
+                      </a:gradFill>
+                    </a:rPr>
+                    <a:t>Way</a:t>
+                  </a:r>
+                  <a:endParaRPr lang="en-IL" sz="7200" dirty="0">
+                    <a:ln w="12700">
+                      <a:solidFill>
+                        <a:srgbClr val="B1FC7D"/>
+                      </a:solidFill>
+                    </a:ln>
+                    <a:gradFill flip="none" rotWithShape="1">
+                      <a:gsLst>
+                        <a:gs pos="17683">
+                          <a:srgbClr val="CCFF66"/>
+                        </a:gs>
+                        <a:gs pos="0">
+                          <a:srgbClr val="CAFA8A"/>
+                        </a:gs>
+                        <a:gs pos="50000">
+                          <a:schemeClr val="accent6">
+                            <a:lumMod val="60000"/>
+                            <a:lumOff val="40000"/>
+                            <a:shade val="67500"/>
+                            <a:satMod val="115000"/>
+                          </a:schemeClr>
+                        </a:gs>
+                        <a:gs pos="37150">
+                          <a:srgbClr val="B1FC7D"/>
+                        </a:gs>
+                        <a:gs pos="66350">
+                          <a:schemeClr val="accent6">
+                            <a:lumMod val="75000"/>
+                          </a:schemeClr>
+                        </a:gs>
+                        <a:gs pos="100000">
+                          <a:schemeClr val="accent6">
+                            <a:lumMod val="50000"/>
+                          </a:schemeClr>
+                        </a:gs>
+                      </a:gsLst>
+                      <a:path path="circle">
+                        <a:fillToRect l="50000" t="50000" r="50000" b="50000"/>
+                      </a:path>
+                      <a:tileRect/>
+                    </a:gradFill>
+                  </a:endParaRPr>
+                </a:p>
+              </p:txBody>
+            </p:sp>
+            <p:grpSp>
+              <p:nvGrpSpPr>
+                <p:cNvPr id="5" name="קבוצה 4">
+                  <a:extLst>
+                    <a:ext uri="{FF2B5EF4-FFF2-40B4-BE49-F238E27FC236}">
+                      <a16:creationId xmlns:a16="http://schemas.microsoft.com/office/drawing/2014/main" id="{D154A49E-AB9E-3CB6-28F3-D17DFACCE287}"/>
+                    </a:ext>
+                  </a:extLst>
+                </p:cNvPr>
+                <p:cNvGrpSpPr/>
+                <p:nvPr/>
+              </p:nvGrpSpPr>
+              <p:grpSpPr>
+                <a:xfrm>
+                  <a:off x="7248825" y="1610344"/>
+                  <a:ext cx="3239621" cy="3206816"/>
+                  <a:chOff x="9087931" y="9894"/>
+                  <a:chExt cx="3239621" cy="3217374"/>
+                </a:xfrm>
+              </p:grpSpPr>
+              <p:pic>
+                <p:nvPicPr>
+                  <p:cNvPr id="13" name="תמונה 12" descr="תמונה שמכילה פרח, צמח, עלה כותרת, שושנה&#10;&#10;התיאור נוצר באופן אוטומטי">
+                    <a:extLst>
+                      <a:ext uri="{FF2B5EF4-FFF2-40B4-BE49-F238E27FC236}">
+                        <a16:creationId xmlns:a16="http://schemas.microsoft.com/office/drawing/2014/main" id="{B3B83009-4A7E-5DE6-ABA1-24A69C95C903}"/>
+                      </a:ext>
+                    </a:extLst>
+                  </p:cNvPr>
+                  <p:cNvPicPr>
+                    <a:picLocks noChangeAspect="1"/>
+                  </p:cNvPicPr>
+                  <p:nvPr/>
+                </p:nvPicPr>
+                <p:blipFill>
+                  <a:blip r:embed="rId3">
+                    <a:extLst>
+                      <a:ext uri="{28A0092B-C50C-407E-A947-70E740481C1C}">
+                        <a14:useLocalDpi xmlns:a14="http://schemas.microsoft.com/office/drawing/2010/main" val="0"/>
+                      </a:ext>
+                    </a:extLst>
+                  </a:blip>
+                  <a:stretch>
+                    <a:fillRect/>
+                  </a:stretch>
+                </p:blipFill>
+                <p:spPr>
+                  <a:xfrm>
+                    <a:off x="9087931" y="784349"/>
+                    <a:ext cx="1719247" cy="1775601"/>
+                  </a:xfrm>
+                  <a:prstGeom prst="ellipse">
+                    <a:avLst/>
+                  </a:prstGeom>
+                  <a:ln w="63500" cap="rnd">
+                    <a:solidFill>
+                      <a:srgbClr val="E6E7E8"/>
+                    </a:solidFill>
+                  </a:ln>
+                  <a:effectLst>
+                    <a:outerShdw blurRad="381000" dist="292100" dir="5400000" sx="-80000" sy="-18000" rotWithShape="0">
+                      <a:srgbClr val="000000">
+                        <a:alpha val="22000"/>
+                      </a:srgbClr>
+                    </a:outerShdw>
+                  </a:effectLst>
+                  <a:scene3d>
+                    <a:camera prst="orthographicFront"/>
+                    <a:lightRig rig="contrasting" dir="t">
+                      <a:rot lat="0" lon="0" rev="3000000"/>
+                    </a:lightRig>
+                  </a:scene3d>
+                  <a:sp3d contourW="7620">
+                    <a:bevelT w="95250" h="31750"/>
+                    <a:contourClr>
+                      <a:srgbClr val="333333"/>
+                    </a:contourClr>
+                  </a:sp3d>
+                </p:spPr>
+              </p:pic>
+              <p:pic>
+                <p:nvPicPr>
+                  <p:cNvPr id="14" name="תמונה 13" descr="תמונה שמכילה צמח, פרח, יסמין, עלה כותרת&#10;&#10;התיאור נוצר באופן אוטומטי">
+                    <a:extLst>
+                      <a:ext uri="{FF2B5EF4-FFF2-40B4-BE49-F238E27FC236}">
+                        <a16:creationId xmlns:a16="http://schemas.microsoft.com/office/drawing/2014/main" id="{192F858D-AAD7-FB7E-C13E-5808B21BACB6}"/>
+                      </a:ext>
+                    </a:extLst>
+                  </p:cNvPr>
+                  <p:cNvPicPr>
+                    <a:picLocks noChangeAspect="1"/>
+                  </p:cNvPicPr>
+                  <p:nvPr/>
+                </p:nvPicPr>
+                <p:blipFill>
+                  <a:blip r:embed="rId4">
+                    <a:extLst>
+                      <a:ext uri="{28A0092B-C50C-407E-A947-70E740481C1C}">
+                        <a14:useLocalDpi xmlns:a14="http://schemas.microsoft.com/office/drawing/2010/main" val="0"/>
+                      </a:ext>
+                    </a:extLst>
+                  </a:blip>
+                  <a:stretch>
+                    <a:fillRect/>
+                  </a:stretch>
+                </p:blipFill>
+                <p:spPr>
+                  <a:xfrm>
+                    <a:off x="10491085" y="1451667"/>
+                    <a:ext cx="1719247" cy="1775601"/>
+                  </a:xfrm>
+                  <a:prstGeom prst="ellipse">
+                    <a:avLst/>
+                  </a:prstGeom>
+                  <a:ln w="63500" cap="rnd">
+                    <a:solidFill>
+                      <a:srgbClr val="B9E403"/>
+                    </a:solidFill>
+                  </a:ln>
+                  <a:effectLst>
+                    <a:outerShdw blurRad="381000" dist="292100" dir="5400000" sx="-80000" sy="-18000" rotWithShape="0">
+                      <a:srgbClr val="000000">
+                        <a:alpha val="22000"/>
+                      </a:srgbClr>
+                    </a:outerShdw>
+                  </a:effectLst>
+                  <a:scene3d>
+                    <a:camera prst="orthographicFront"/>
+                    <a:lightRig rig="contrasting" dir="t">
+                      <a:rot lat="0" lon="0" rev="3000000"/>
+                    </a:lightRig>
+                  </a:scene3d>
+                  <a:sp3d contourW="7620">
+                    <a:bevelT w="95250" h="31750"/>
+                    <a:contourClr>
+                      <a:srgbClr val="333333"/>
+                    </a:contourClr>
+                  </a:sp3d>
+                </p:spPr>
+              </p:pic>
+              <p:pic>
+                <p:nvPicPr>
+                  <p:cNvPr id="15" name="תמונה 14" descr="תמונה שמכילה צמח, פרח, עלה כותרת, שושני גינה&#10;&#10;התיאור נוצר באופן אוטומטי">
+                    <a:extLst>
+                      <a:ext uri="{FF2B5EF4-FFF2-40B4-BE49-F238E27FC236}">
+                        <a16:creationId xmlns:a16="http://schemas.microsoft.com/office/drawing/2014/main" id="{234A0B1D-706A-E41C-50E3-1BD8C4C3DA2D}"/>
+                      </a:ext>
+                    </a:extLst>
+                  </p:cNvPr>
+                  <p:cNvPicPr>
+                    <a:picLocks noChangeAspect="1"/>
+                  </p:cNvPicPr>
+                  <p:nvPr/>
+                </p:nvPicPr>
+                <p:blipFill>
+                  <a:blip r:embed="rId5">
+                    <a:extLst>
+                      <a:ext uri="{28A0092B-C50C-407E-A947-70E740481C1C}">
+                        <a14:useLocalDpi xmlns:a14="http://schemas.microsoft.com/office/drawing/2010/main" val="0"/>
+                      </a:ext>
+                    </a:extLst>
+                  </a:blip>
+                  <a:stretch>
+                    <a:fillRect/>
+                  </a:stretch>
+                </p:blipFill>
+                <p:spPr>
+                  <a:xfrm>
+                    <a:off x="10562919" y="9894"/>
+                    <a:ext cx="1764633" cy="1662256"/>
+                  </a:xfrm>
+                  <a:prstGeom prst="ellipse">
+                    <a:avLst/>
+                  </a:prstGeom>
+                  <a:ln w="63500" cap="rnd">
+                    <a:solidFill>
+                      <a:srgbClr val="9D0DC3"/>
+                    </a:solidFill>
+                  </a:ln>
+                  <a:effectLst>
+                    <a:outerShdw blurRad="381000" dist="292100" dir="5400000" sx="-80000" sy="-18000" rotWithShape="0">
+                      <a:srgbClr val="000000">
+                        <a:alpha val="22000"/>
+                      </a:srgbClr>
+                    </a:outerShdw>
+                  </a:effectLst>
+                  <a:scene3d>
+                    <a:camera prst="orthographicFront"/>
+                    <a:lightRig rig="contrasting" dir="t">
+                      <a:rot lat="0" lon="0" rev="3000000"/>
+                    </a:lightRig>
+                  </a:scene3d>
+                  <a:sp3d contourW="7620">
+                    <a:bevelT w="95250" h="31750"/>
+                    <a:contourClr>
+                      <a:srgbClr val="333333"/>
+                    </a:contourClr>
+                  </a:sp3d>
+                </p:spPr>
+              </p:pic>
+            </p:grpSp>
+          </p:grpSp>
+        </p:grpSp>
         <p:sp>
           <p:nvSpPr>
-            <p:cNvPr id="4" name="תיבת טקסט 3">
+            <p:cNvPr id="8" name="תיבת טקסט 7">
               <a:extLst>
                 <a:ext uri="{FF2B5EF4-FFF2-40B4-BE49-F238E27FC236}">
-                  <a16:creationId xmlns:a16="http://schemas.microsoft.com/office/drawing/2014/main" id="{46193A0A-D548-377F-076C-9013ED736828}"/>
+                  <a16:creationId xmlns:a16="http://schemas.microsoft.com/office/drawing/2014/main" id="{96B2861E-2467-4B1D-E819-D1556C5187B3}"/>
                 </a:ext>
               </a:extLst>
             </p:cNvPr>
@@ -5202,8 +5668,8 @@
           </p:nvSpPr>
           <p:spPr>
             <a:xfrm>
-              <a:off x="3155671" y="1176106"/>
-              <a:ext cx="7532254" cy="1412769"/>
+              <a:off x="2253727" y="4733396"/>
+              <a:ext cx="9084628" cy="1798298"/>
             </a:xfrm>
             <a:prstGeom prst="rect">
               <a:avLst/>
@@ -5212,398 +5678,44 @@
           </p:spPr>
           <p:txBody>
             <a:bodyPr wrap="square" rtlCol="0">
+              <a:prstTxWarp prst="textArchDown">
+                <a:avLst/>
+              </a:prstTxWarp>
               <a:spAutoFit/>
-              <a:scene3d>
-                <a:camera prst="perspectiveHeroicExtremeRightFacing"/>
-                <a:lightRig rig="threePt" dir="t"/>
-              </a:scene3d>
             </a:bodyPr>
             <a:lstStyle/>
             <a:p>
               <a:pPr algn="ctr"/>
               <a:r>
-                <a:rPr lang="en-US" sz="7200" dirty="0">
+                <a:rPr lang="en-GB" sz="4000" b="1" dirty="0">
                   <a:ln>
                     <a:solidFill>
-                      <a:srgbClr val="9AFF67"/>
+                      <a:srgbClr val="CCFF66"/>
                     </a:solidFill>
                   </a:ln>
-                  <a:gradFill>
-                    <a:gsLst>
-                      <a:gs pos="17683">
-                        <a:srgbClr val="9F6CFA"/>
-                      </a:gs>
-                      <a:gs pos="0">
-                        <a:schemeClr val="accent5">
-                          <a:lumMod val="40000"/>
-                          <a:lumOff val="60000"/>
-                        </a:schemeClr>
-                      </a:gs>
-                      <a:gs pos="50000">
-                        <a:srgbClr val="CCFF66"/>
-                      </a:gs>
-                      <a:gs pos="37150">
-                        <a:schemeClr val="accent3">
-                          <a:lumMod val="60000"/>
-                          <a:lumOff val="40000"/>
-                        </a:schemeClr>
-                      </a:gs>
-                      <a:gs pos="66350">
-                        <a:schemeClr val="accent5">
-                          <a:lumMod val="60000"/>
-                          <a:lumOff val="40000"/>
-                        </a:schemeClr>
-                      </a:gs>
-                      <a:gs pos="100000">
-                        <a:srgbClr val="9900FF"/>
-                      </a:gs>
-                    </a:gsLst>
-                    <a:path path="circle">
-                      <a:fillToRect l="50000" t="50000" r="50000" b="50000"/>
-                    </a:path>
-                  </a:gradFill>
+                  <a:solidFill>
+                    <a:schemeClr val="accent6">
+                      <a:lumMod val="75000"/>
+                    </a:schemeClr>
+                  </a:solidFill>
                 </a:rPr>
-                <a:t>Play</a:t>
+                <a:t>Play Your Way - fun games to improve social skills</a:t>
               </a:r>
-              <a:r>
-                <a:rPr lang="en-US" sz="7200" dirty="0">
-                  <a:ln>
-                    <a:solidFill>
-                      <a:srgbClr val="B1FC7D"/>
-                    </a:solidFill>
-                  </a:ln>
-                  <a:gradFill flip="none" rotWithShape="1">
-                    <a:gsLst>
-                      <a:gs pos="17683">
-                        <a:srgbClr val="9933FF"/>
-                      </a:gs>
-                      <a:gs pos="0">
-                        <a:schemeClr val="accent5">
-                          <a:lumMod val="40000"/>
-                          <a:lumOff val="60000"/>
-                        </a:schemeClr>
-                      </a:gs>
-                      <a:gs pos="50000">
-                        <a:schemeClr val="accent6">
-                          <a:lumMod val="60000"/>
-                          <a:lumOff val="40000"/>
-                          <a:shade val="67500"/>
-                          <a:satMod val="115000"/>
-                        </a:schemeClr>
-                      </a:gs>
-                      <a:gs pos="37150">
-                        <a:srgbClr val="B1FC7D"/>
-                      </a:gs>
-                      <a:gs pos="66350">
-                        <a:schemeClr val="accent6">
-                          <a:lumMod val="75000"/>
-                        </a:schemeClr>
-                      </a:gs>
-                      <a:gs pos="100000">
-                        <a:schemeClr val="accent5">
-                          <a:lumMod val="75000"/>
-                        </a:schemeClr>
-                      </a:gs>
-                    </a:gsLst>
-                    <a:path path="circle">
-                      <a:fillToRect l="50000" t="50000" r="50000" b="50000"/>
-                    </a:path>
-                    <a:tileRect/>
-                  </a:gradFill>
-                </a:rPr>
-                <a:t> Your </a:t>
-              </a:r>
-              <a:r>
-                <a:rPr lang="en-US" sz="7200" dirty="0">
-                  <a:ln>
-                    <a:solidFill>
-                      <a:srgbClr val="B1FC7D"/>
-                    </a:solidFill>
-                  </a:ln>
-                  <a:gradFill flip="none" rotWithShape="1">
-                    <a:gsLst>
-                      <a:gs pos="17683">
-                        <a:srgbClr val="CCFF66"/>
-                      </a:gs>
-                      <a:gs pos="0">
-                        <a:srgbClr val="CAFA8A"/>
-                      </a:gs>
-                      <a:gs pos="50000">
-                        <a:schemeClr val="accent6">
-                          <a:lumMod val="60000"/>
-                          <a:lumOff val="40000"/>
-                          <a:shade val="67500"/>
-                          <a:satMod val="115000"/>
-                        </a:schemeClr>
-                      </a:gs>
-                      <a:gs pos="37150">
-                        <a:srgbClr val="B1FC7D"/>
-                      </a:gs>
-                      <a:gs pos="66350">
-                        <a:schemeClr val="accent6">
-                          <a:lumMod val="75000"/>
-                        </a:schemeClr>
-                      </a:gs>
-                      <a:gs pos="100000">
-                        <a:schemeClr val="accent6">
-                          <a:lumMod val="50000"/>
-                        </a:schemeClr>
-                      </a:gs>
-                    </a:gsLst>
-                    <a:path path="circle">
-                      <a:fillToRect l="50000" t="50000" r="50000" b="50000"/>
-                    </a:path>
-                    <a:tileRect/>
-                  </a:gradFill>
-                </a:rPr>
-                <a:t>Way</a:t>
-              </a:r>
-              <a:endParaRPr lang="en-IL" sz="7200" dirty="0">
+              <a:endParaRPr lang="en-IL" sz="4000" b="1" dirty="0">
                 <a:ln>
                   <a:solidFill>
-                    <a:srgbClr val="B1FC7D"/>
+                    <a:srgbClr val="CCFF66"/>
                   </a:solidFill>
                 </a:ln>
-                <a:gradFill flip="none" rotWithShape="1">
-                  <a:gsLst>
-                    <a:gs pos="17683">
-                      <a:srgbClr val="CCFF66"/>
-                    </a:gs>
-                    <a:gs pos="0">
-                      <a:srgbClr val="CAFA8A"/>
-                    </a:gs>
-                    <a:gs pos="50000">
-                      <a:schemeClr val="accent6">
-                        <a:lumMod val="60000"/>
-                        <a:lumOff val="40000"/>
-                        <a:shade val="67500"/>
-                        <a:satMod val="115000"/>
-                      </a:schemeClr>
-                    </a:gs>
-                    <a:gs pos="37150">
-                      <a:srgbClr val="B1FC7D"/>
-                    </a:gs>
-                    <a:gs pos="66350">
-                      <a:schemeClr val="accent6">
-                        <a:lumMod val="75000"/>
-                      </a:schemeClr>
-                    </a:gs>
-                    <a:gs pos="100000">
-                      <a:schemeClr val="accent6">
-                        <a:lumMod val="50000"/>
-                      </a:schemeClr>
-                    </a:gs>
-                  </a:gsLst>
-                  <a:path path="circle">
-                    <a:fillToRect l="50000" t="50000" r="50000" b="50000"/>
-                  </a:path>
-                  <a:tileRect/>
-                </a:gradFill>
+                <a:solidFill>
+                  <a:schemeClr val="accent6">
+                    <a:lumMod val="75000"/>
+                  </a:schemeClr>
+                </a:solidFill>
               </a:endParaRPr>
             </a:p>
           </p:txBody>
         </p:sp>
-        <p:grpSp>
-          <p:nvGrpSpPr>
-            <p:cNvPr id="5" name="קבוצה 4">
-              <a:extLst>
-                <a:ext uri="{FF2B5EF4-FFF2-40B4-BE49-F238E27FC236}">
-                  <a16:creationId xmlns:a16="http://schemas.microsoft.com/office/drawing/2014/main" id="{D154A49E-AB9E-3CB6-28F3-D17DFACCE287}"/>
-                </a:ext>
-              </a:extLst>
-            </p:cNvPr>
-            <p:cNvGrpSpPr/>
-            <p:nvPr/>
-          </p:nvGrpSpPr>
-          <p:grpSpPr>
-            <a:xfrm>
-              <a:off x="7613774" y="1693452"/>
-              <a:ext cx="3239620" cy="3206816"/>
-              <a:chOff x="9452880" y="93276"/>
-              <a:chExt cx="3239620" cy="3217374"/>
-            </a:xfrm>
-          </p:grpSpPr>
-          <p:pic>
-            <p:nvPicPr>
-              <p:cNvPr id="13" name="תמונה 12" descr="תמונה שמכילה פרח, צמח, עלה כותרת, שושנה&#10;&#10;התיאור נוצר באופן אוטומטי">
-                <a:extLst>
-                  <a:ext uri="{FF2B5EF4-FFF2-40B4-BE49-F238E27FC236}">
-                    <a16:creationId xmlns:a16="http://schemas.microsoft.com/office/drawing/2014/main" id="{B3B83009-4A7E-5DE6-ABA1-24A69C95C903}"/>
-                  </a:ext>
-                </a:extLst>
-              </p:cNvPr>
-              <p:cNvPicPr>
-                <a:picLocks noChangeAspect="1"/>
-              </p:cNvPicPr>
-              <p:nvPr/>
-            </p:nvPicPr>
-            <p:blipFill>
-              <a:blip r:embed="rId3">
-                <a:extLst>
-                  <a:ext uri="{28A0092B-C50C-407E-A947-70E740481C1C}">
-                    <a14:useLocalDpi xmlns:a14="http://schemas.microsoft.com/office/drawing/2010/main" val="0"/>
-                  </a:ext>
-                </a:extLst>
-              </a:blip>
-              <a:stretch>
-                <a:fillRect/>
-              </a:stretch>
-            </p:blipFill>
-            <p:spPr>
-              <a:xfrm>
-                <a:off x="9452880" y="867731"/>
-                <a:ext cx="1719247" cy="1775601"/>
-              </a:xfrm>
-              <a:prstGeom prst="ellipse">
-                <a:avLst/>
-              </a:prstGeom>
-              <a:ln w="63500" cap="rnd">
-                <a:solidFill>
-                  <a:srgbClr val="333333"/>
-                </a:solidFill>
-              </a:ln>
-              <a:effectLst>
-                <a:outerShdw blurRad="381000" dist="292100" dir="5400000" sx="-80000" sy="-18000" rotWithShape="0">
-                  <a:srgbClr val="000000">
-                    <a:alpha val="22000"/>
-                  </a:srgbClr>
-                </a:outerShdw>
-              </a:effectLst>
-              <a:scene3d>
-                <a:camera prst="orthographicFront"/>
-                <a:lightRig rig="contrasting" dir="t">
-                  <a:rot lat="0" lon="0" rev="3000000"/>
-                </a:lightRig>
-              </a:scene3d>
-              <a:sp3d contourW="7620">
-                <a:bevelT w="95250" h="31750"/>
-                <a:contourClr>
-                  <a:srgbClr val="333333"/>
-                </a:contourClr>
-              </a:sp3d>
-            </p:spPr>
-          </p:pic>
-          <p:pic>
-            <p:nvPicPr>
-              <p:cNvPr id="14" name="תמונה 13" descr="תמונה שמכילה צמח, פרח, יסמין, עלה כותרת&#10;&#10;התיאור נוצר באופן אוטומטי">
-                <a:extLst>
-                  <a:ext uri="{FF2B5EF4-FFF2-40B4-BE49-F238E27FC236}">
-                    <a16:creationId xmlns:a16="http://schemas.microsoft.com/office/drawing/2014/main" id="{192F858D-AAD7-FB7E-C13E-5808B21BACB6}"/>
-                  </a:ext>
-                </a:extLst>
-              </p:cNvPr>
-              <p:cNvPicPr>
-                <a:picLocks noChangeAspect="1"/>
-              </p:cNvPicPr>
-              <p:nvPr/>
-            </p:nvPicPr>
-            <p:blipFill>
-              <a:blip r:embed="rId4">
-                <a:extLst>
-                  <a:ext uri="{28A0092B-C50C-407E-A947-70E740481C1C}">
-                    <a14:useLocalDpi xmlns:a14="http://schemas.microsoft.com/office/drawing/2010/main" val="0"/>
-                  </a:ext>
-                </a:extLst>
-              </a:blip>
-              <a:stretch>
-                <a:fillRect/>
-              </a:stretch>
-            </p:blipFill>
-            <p:spPr>
-              <a:xfrm>
-                <a:off x="10856034" y="1535049"/>
-                <a:ext cx="1719247" cy="1775601"/>
-              </a:xfrm>
-              <a:prstGeom prst="ellipse">
-                <a:avLst/>
-              </a:prstGeom>
-              <a:ln w="63500" cap="rnd">
-                <a:solidFill>
-                  <a:srgbClr val="333333"/>
-                </a:solidFill>
-              </a:ln>
-              <a:effectLst>
-                <a:outerShdw blurRad="381000" dist="292100" dir="5400000" sx="-80000" sy="-18000" rotWithShape="0">
-                  <a:srgbClr val="000000">
-                    <a:alpha val="22000"/>
-                  </a:srgbClr>
-                </a:outerShdw>
-              </a:effectLst>
-              <a:scene3d>
-                <a:camera prst="orthographicFront"/>
-                <a:lightRig rig="contrasting" dir="t">
-                  <a:rot lat="0" lon="0" rev="3000000"/>
-                </a:lightRig>
-              </a:scene3d>
-              <a:sp3d contourW="7620">
-                <a:bevelT w="95250" h="31750"/>
-                <a:contourClr>
-                  <a:srgbClr val="333333"/>
-                </a:contourClr>
-              </a:sp3d>
-            </p:spPr>
-          </p:pic>
-          <p:pic>
-            <p:nvPicPr>
-              <p:cNvPr id="15" name="תמונה 14" descr="תמונה שמכילה צמח, פרח, עלה כותרת, שושני גינה&#10;&#10;התיאור נוצר באופן אוטומטי">
-                <a:extLst>
-                  <a:ext uri="{FF2B5EF4-FFF2-40B4-BE49-F238E27FC236}">
-                    <a16:creationId xmlns:a16="http://schemas.microsoft.com/office/drawing/2014/main" id="{234A0B1D-706A-E41C-50E3-1BD8C4C3DA2D}"/>
-                  </a:ext>
-                </a:extLst>
-              </p:cNvPr>
-              <p:cNvPicPr>
-                <a:picLocks noChangeAspect="1"/>
-              </p:cNvPicPr>
-              <p:nvPr/>
-            </p:nvPicPr>
-            <p:blipFill>
-              <a:blip r:embed="rId5">
-                <a:extLst>
-                  <a:ext uri="{28A0092B-C50C-407E-A947-70E740481C1C}">
-                    <a14:useLocalDpi xmlns:a14="http://schemas.microsoft.com/office/drawing/2010/main" val="0"/>
-                  </a:ext>
-                </a:extLst>
-              </a:blip>
-              <a:stretch>
-                <a:fillRect/>
-              </a:stretch>
-            </p:blipFill>
-            <p:spPr>
-              <a:xfrm>
-                <a:off x="10927868" y="93276"/>
-                <a:ext cx="1764632" cy="1662256"/>
-              </a:xfrm>
-              <a:prstGeom prst="ellipse">
-                <a:avLst/>
-              </a:prstGeom>
-              <a:ln w="63500" cap="rnd">
-                <a:solidFill>
-                  <a:srgbClr val="333333"/>
-                </a:solidFill>
-              </a:ln>
-              <a:effectLst>
-                <a:outerShdw blurRad="381000" dist="292100" dir="5400000" sx="-80000" sy="-18000" rotWithShape="0">
-                  <a:srgbClr val="000000">
-                    <a:alpha val="22000"/>
-                  </a:srgbClr>
-                </a:outerShdw>
-              </a:effectLst>
-              <a:scene3d>
-                <a:camera prst="orthographicFront"/>
-                <a:lightRig rig="contrasting" dir="t">
-                  <a:rot lat="0" lon="0" rev="3000000"/>
-                </a:lightRig>
-              </a:scene3d>
-              <a:sp3d contourW="7620">
-                <a:bevelT w="95250" h="31750"/>
-                <a:contourClr>
-                  <a:srgbClr val="333333"/>
-                </a:contourClr>
-              </a:sp3d>
-            </p:spPr>
-          </p:pic>
-        </p:grpSp>
       </p:grpSp>
     </p:spTree>
     <p:extLst>
